--- a/graphicsEdirorB_220201/doc/수업B.pptx
+++ b/graphicsEdirorB_220201/doc/수업B.pptx
@@ -6,6 +6,7 @@
   </p:sldMasterIdLst>
   <p:sldIdLst>
     <p:sldId id="256" r:id="rId2"/>
+    <p:sldId id="257" r:id="rId3"/>
   </p:sldIdLst>
   <p:sldSz cx="12192000" cy="6858000"/>
   <p:notesSz cx="6858000" cy="9144000"/>
@@ -243,7 +244,7 @@
           <a:p>
             <a:fld id="{26057504-1392-49F7-A37A-651F3EE4AB96}" type="datetimeFigureOut">
               <a:rPr lang="ko-KR" altLang="en-US" smtClean="0"/>
-              <a:t>2022-05-04</a:t>
+              <a:t>2022-05-09</a:t>
             </a:fld>
             <a:endParaRPr lang="ko-KR" altLang="en-US"/>
           </a:p>
@@ -413,7 +414,7 @@
           <a:p>
             <a:fld id="{26057504-1392-49F7-A37A-651F3EE4AB96}" type="datetimeFigureOut">
               <a:rPr lang="ko-KR" altLang="en-US" smtClean="0"/>
-              <a:t>2022-05-04</a:t>
+              <a:t>2022-05-09</a:t>
             </a:fld>
             <a:endParaRPr lang="ko-KR" altLang="en-US"/>
           </a:p>
@@ -593,7 +594,7 @@
           <a:p>
             <a:fld id="{26057504-1392-49F7-A37A-651F3EE4AB96}" type="datetimeFigureOut">
               <a:rPr lang="ko-KR" altLang="en-US" smtClean="0"/>
-              <a:t>2022-05-04</a:t>
+              <a:t>2022-05-09</a:t>
             </a:fld>
             <a:endParaRPr lang="ko-KR" altLang="en-US"/>
           </a:p>
@@ -763,7 +764,7 @@
           <a:p>
             <a:fld id="{26057504-1392-49F7-A37A-651F3EE4AB96}" type="datetimeFigureOut">
               <a:rPr lang="ko-KR" altLang="en-US" smtClean="0"/>
-              <a:t>2022-05-04</a:t>
+              <a:t>2022-05-09</a:t>
             </a:fld>
             <a:endParaRPr lang="ko-KR" altLang="en-US"/>
           </a:p>
@@ -1009,7 +1010,7 @@
           <a:p>
             <a:fld id="{26057504-1392-49F7-A37A-651F3EE4AB96}" type="datetimeFigureOut">
               <a:rPr lang="ko-KR" altLang="en-US" smtClean="0"/>
-              <a:t>2022-05-04</a:t>
+              <a:t>2022-05-09</a:t>
             </a:fld>
             <a:endParaRPr lang="ko-KR" altLang="en-US"/>
           </a:p>
@@ -1241,7 +1242,7 @@
           <a:p>
             <a:fld id="{26057504-1392-49F7-A37A-651F3EE4AB96}" type="datetimeFigureOut">
               <a:rPr lang="ko-KR" altLang="en-US" smtClean="0"/>
-              <a:t>2022-05-04</a:t>
+              <a:t>2022-05-09</a:t>
             </a:fld>
             <a:endParaRPr lang="ko-KR" altLang="en-US"/>
           </a:p>
@@ -1608,7 +1609,7 @@
           <a:p>
             <a:fld id="{26057504-1392-49F7-A37A-651F3EE4AB96}" type="datetimeFigureOut">
               <a:rPr lang="ko-KR" altLang="en-US" smtClean="0"/>
-              <a:t>2022-05-04</a:t>
+              <a:t>2022-05-09</a:t>
             </a:fld>
             <a:endParaRPr lang="ko-KR" altLang="en-US"/>
           </a:p>
@@ -1726,7 +1727,7 @@
           <a:p>
             <a:fld id="{26057504-1392-49F7-A37A-651F3EE4AB96}" type="datetimeFigureOut">
               <a:rPr lang="ko-KR" altLang="en-US" smtClean="0"/>
-              <a:t>2022-05-04</a:t>
+              <a:t>2022-05-09</a:t>
             </a:fld>
             <a:endParaRPr lang="ko-KR" altLang="en-US"/>
           </a:p>
@@ -1821,7 +1822,7 @@
           <a:p>
             <a:fld id="{26057504-1392-49F7-A37A-651F3EE4AB96}" type="datetimeFigureOut">
               <a:rPr lang="ko-KR" altLang="en-US" smtClean="0"/>
-              <a:t>2022-05-04</a:t>
+              <a:t>2022-05-09</a:t>
             </a:fld>
             <a:endParaRPr lang="ko-KR" altLang="en-US"/>
           </a:p>
@@ -2098,7 +2099,7 @@
           <a:p>
             <a:fld id="{26057504-1392-49F7-A37A-651F3EE4AB96}" type="datetimeFigureOut">
               <a:rPr lang="ko-KR" altLang="en-US" smtClean="0"/>
-              <a:t>2022-05-04</a:t>
+              <a:t>2022-05-09</a:t>
             </a:fld>
             <a:endParaRPr lang="ko-KR" altLang="en-US"/>
           </a:p>
@@ -2351,7 +2352,7 @@
           <a:p>
             <a:fld id="{26057504-1392-49F7-A37A-651F3EE4AB96}" type="datetimeFigureOut">
               <a:rPr lang="ko-KR" altLang="en-US" smtClean="0"/>
-              <a:t>2022-05-04</a:t>
+              <a:t>2022-05-09</a:t>
             </a:fld>
             <a:endParaRPr lang="ko-KR" altLang="en-US"/>
           </a:p>
@@ -2564,7 +2565,7 @@
           <a:p>
             <a:fld id="{26057504-1392-49F7-A37A-651F3EE4AB96}" type="datetimeFigureOut">
               <a:rPr lang="ko-KR" altLang="en-US" smtClean="0"/>
-              <a:t>2022-05-04</a:t>
+              <a:t>2022-05-09</a:t>
             </a:fld>
             <a:endParaRPr lang="ko-KR" altLang="en-US"/>
           </a:p>
@@ -3304,6 +3305,426 @@
 </p:sld>
 </file>
 
+<file path=ppt/slides/slide2.xml><?xml version="1.0" encoding="utf-8"?>
+<p:sld xmlns:a="http://schemas.openxmlformats.org/drawingml/2006/main" xmlns:r="http://schemas.openxmlformats.org/officeDocument/2006/relationships" xmlns:p="http://schemas.openxmlformats.org/presentationml/2006/main">
+  <p:cSld>
+    <p:spTree>
+      <p:nvGrpSpPr>
+        <p:cNvPr id="1" name=""/>
+        <p:cNvGrpSpPr/>
+        <p:nvPr/>
+      </p:nvGrpSpPr>
+      <p:grpSpPr>
+        <a:xfrm>
+          <a:off x="0" y="0"/>
+          <a:ext cx="0" cy="0"/>
+          <a:chOff x="0" y="0"/>
+          <a:chExt cx="0" cy="0"/>
+        </a:xfrm>
+      </p:grpSpPr>
+      <p:sp>
+        <p:nvSpPr>
+          <p:cNvPr id="4" name="TextBox 3"/>
+          <p:cNvSpPr txBox="1"/>
+          <p:nvPr/>
+        </p:nvSpPr>
+        <p:spPr>
+          <a:xfrm>
+            <a:off x="748145" y="523702"/>
+            <a:ext cx="4256117" cy="3416320"/>
+          </a:xfrm>
+          <a:prstGeom prst="rect">
+            <a:avLst/>
+          </a:prstGeom>
+          <a:noFill/>
+        </p:spPr>
+        <p:txBody>
+          <a:bodyPr wrap="square" rtlCol="0">
+            <a:spAutoFit/>
+          </a:bodyPr>
+          <a:lstStyle/>
+          <a:p>
+            <a:r>
+              <a:rPr lang="ko-KR" altLang="en-US" dirty="0" smtClean="0"/>
+              <a:t>진행 </a:t>
+            </a:r>
+            <a:r>
+              <a:rPr lang="en-US" altLang="ko-KR" dirty="0" smtClean="0"/>
+              <a:t>05-09</a:t>
+            </a:r>
+            <a:endParaRPr lang="en-US" altLang="ko-KR" dirty="0" smtClean="0"/>
+          </a:p>
+          <a:p>
+            <a:endParaRPr lang="en-US" altLang="ko-KR" dirty="0" smtClean="0"/>
+          </a:p>
+          <a:p>
+            <a:pPr marL="285750" indent="-285750">
+              <a:buFontTx/>
+              <a:buChar char="-"/>
+            </a:pPr>
+            <a:r>
+              <a:rPr lang="en-US" altLang="ko-KR" dirty="0" smtClean="0"/>
+              <a:t>Cursor</a:t>
+            </a:r>
+          </a:p>
+          <a:p>
+            <a:pPr marL="742950" lvl="1" indent="-285750">
+              <a:buFontTx/>
+              <a:buChar char="-"/>
+            </a:pPr>
+            <a:r>
+              <a:rPr lang="ko-KR" altLang="en-US" dirty="0" smtClean="0"/>
+              <a:t>상태</a:t>
+            </a:r>
+            <a:endParaRPr lang="en-US" altLang="ko-KR" dirty="0" smtClean="0"/>
+          </a:p>
+          <a:p>
+            <a:pPr marL="1200150" lvl="2" indent="-285750">
+              <a:buFontTx/>
+              <a:buChar char="-"/>
+            </a:pPr>
+            <a:r>
+              <a:rPr lang="en-US" altLang="ko-KR" dirty="0" smtClean="0"/>
+              <a:t>Idle</a:t>
+            </a:r>
+          </a:p>
+          <a:p>
+            <a:pPr marL="1200150" lvl="2" indent="-285750">
+              <a:buFontTx/>
+              <a:buChar char="-"/>
+            </a:pPr>
+            <a:r>
+              <a:rPr lang="en-US" altLang="ko-KR" dirty="0" smtClean="0"/>
+              <a:t>Move</a:t>
+            </a:r>
+          </a:p>
+          <a:p>
+            <a:pPr marL="1200150" lvl="2" indent="-285750">
+              <a:buFontTx/>
+              <a:buChar char="-"/>
+            </a:pPr>
+            <a:r>
+              <a:rPr lang="en-US" altLang="ko-KR" dirty="0" smtClean="0"/>
+              <a:t>Resize</a:t>
+            </a:r>
+          </a:p>
+          <a:p>
+            <a:pPr marL="1200150" lvl="2" indent="-285750">
+              <a:buFontTx/>
+              <a:buChar char="-"/>
+            </a:pPr>
+            <a:r>
+              <a:rPr lang="en-US" altLang="ko-KR" dirty="0" smtClean="0"/>
+              <a:t>Rotate</a:t>
+            </a:r>
+          </a:p>
+          <a:p>
+            <a:pPr marL="1200150" lvl="2" indent="-285750">
+              <a:buFontTx/>
+              <a:buChar char="-"/>
+            </a:pPr>
+            <a:r>
+              <a:rPr lang="en-US" altLang="ko-KR" dirty="0" smtClean="0"/>
+              <a:t>Edit</a:t>
+            </a:r>
+          </a:p>
+          <a:p>
+            <a:pPr marL="285750" indent="-285750">
+              <a:buFontTx/>
+              <a:buChar char="-"/>
+            </a:pPr>
+            <a:r>
+              <a:rPr lang="en-US" altLang="ko-KR" dirty="0" smtClean="0"/>
+              <a:t>Shape</a:t>
+            </a:r>
+          </a:p>
+          <a:p>
+            <a:pPr marL="742950" lvl="1" indent="-285750">
+              <a:buFontTx/>
+              <a:buChar char="-"/>
+            </a:pPr>
+            <a:r>
+              <a:rPr lang="en-US" altLang="ko-KR" dirty="0" smtClean="0"/>
+              <a:t>State</a:t>
+            </a:r>
+          </a:p>
+          <a:p>
+            <a:pPr marL="1200150" lvl="2" indent="-285750">
+              <a:buFontTx/>
+              <a:buChar char="-"/>
+            </a:pPr>
+            <a:r>
+              <a:rPr lang="en-US" altLang="ko-KR" dirty="0" smtClean="0"/>
+              <a:t>Selected</a:t>
+            </a:r>
+            <a:endParaRPr lang="ko-KR" altLang="en-US" dirty="0"/>
+          </a:p>
+        </p:txBody>
+      </p:sp>
+      <p:sp>
+        <p:nvSpPr>
+          <p:cNvPr id="2" name="직사각형 1"/>
+          <p:cNvSpPr/>
+          <p:nvPr/>
+        </p:nvSpPr>
+        <p:spPr>
+          <a:xfrm>
+            <a:off x="4434563" y="1940794"/>
+            <a:ext cx="1901501" cy="1012799"/>
+          </a:xfrm>
+          <a:prstGeom prst="rect">
+            <a:avLst/>
+          </a:prstGeom>
+        </p:spPr>
+        <p:style>
+          <a:lnRef idx="2">
+            <a:schemeClr val="accent1">
+              <a:shade val="50000"/>
+            </a:schemeClr>
+          </a:lnRef>
+          <a:fillRef idx="1">
+            <a:schemeClr val="accent1"/>
+          </a:fillRef>
+          <a:effectRef idx="0">
+            <a:schemeClr val="accent1"/>
+          </a:effectRef>
+          <a:fontRef idx="minor">
+            <a:schemeClr val="lt1"/>
+          </a:fontRef>
+        </p:style>
+        <p:txBody>
+          <a:bodyPr rtlCol="0" anchor="ctr"/>
+          <a:lstStyle/>
+          <a:p>
+            <a:pPr algn="ctr"/>
+            <a:r>
+              <a:rPr lang="en-US" altLang="ko-KR" dirty="0" smtClean="0"/>
+              <a:t>Drawing Panel</a:t>
+            </a:r>
+            <a:endParaRPr lang="ko-KR" altLang="en-US" dirty="0"/>
+          </a:p>
+        </p:txBody>
+      </p:sp>
+      <p:sp>
+        <p:nvSpPr>
+          <p:cNvPr id="5" name="직사각형 4"/>
+          <p:cNvSpPr/>
+          <p:nvPr/>
+        </p:nvSpPr>
+        <p:spPr>
+          <a:xfrm>
+            <a:off x="6767963" y="1940794"/>
+            <a:ext cx="1065127" cy="1012799"/>
+          </a:xfrm>
+          <a:prstGeom prst="rect">
+            <a:avLst/>
+          </a:prstGeom>
+        </p:spPr>
+        <p:style>
+          <a:lnRef idx="2">
+            <a:schemeClr val="accent1">
+              <a:shade val="50000"/>
+            </a:schemeClr>
+          </a:lnRef>
+          <a:fillRef idx="1">
+            <a:schemeClr val="accent1"/>
+          </a:fillRef>
+          <a:effectRef idx="0">
+            <a:schemeClr val="accent1"/>
+          </a:effectRef>
+          <a:fontRef idx="minor">
+            <a:schemeClr val="lt1"/>
+          </a:fontRef>
+        </p:style>
+        <p:txBody>
+          <a:bodyPr rtlCol="0" anchor="ctr"/>
+          <a:lstStyle/>
+          <a:p>
+            <a:pPr algn="ctr"/>
+            <a:r>
+              <a:rPr lang="en-US" altLang="ko-KR" dirty="0" smtClean="0"/>
+              <a:t>Shape</a:t>
+            </a:r>
+            <a:endParaRPr lang="ko-KR" altLang="en-US" dirty="0"/>
+          </a:p>
+        </p:txBody>
+      </p:sp>
+      <p:sp>
+        <p:nvSpPr>
+          <p:cNvPr id="7" name="직사각형 6"/>
+          <p:cNvSpPr/>
+          <p:nvPr/>
+        </p:nvSpPr>
+        <p:spPr>
+          <a:xfrm>
+            <a:off x="8482126" y="1940793"/>
+            <a:ext cx="1065127" cy="1012799"/>
+          </a:xfrm>
+          <a:prstGeom prst="rect">
+            <a:avLst/>
+          </a:prstGeom>
+        </p:spPr>
+        <p:style>
+          <a:lnRef idx="2">
+            <a:schemeClr val="accent1">
+              <a:shade val="50000"/>
+            </a:schemeClr>
+          </a:lnRef>
+          <a:fillRef idx="1">
+            <a:schemeClr val="accent1"/>
+          </a:fillRef>
+          <a:effectRef idx="0">
+            <a:schemeClr val="accent1"/>
+          </a:effectRef>
+          <a:fontRef idx="minor">
+            <a:schemeClr val="lt1"/>
+          </a:fontRef>
+        </p:style>
+        <p:txBody>
+          <a:bodyPr rtlCol="0" anchor="ctr"/>
+          <a:lstStyle/>
+          <a:p>
+            <a:pPr algn="ctr"/>
+            <a:r>
+              <a:rPr lang="en-US" altLang="ko-KR" dirty="0" smtClean="0"/>
+              <a:t>Anchors</a:t>
+            </a:r>
+            <a:endParaRPr lang="ko-KR" altLang="en-US" dirty="0"/>
+          </a:p>
+        </p:txBody>
+      </p:sp>
+      <p:cxnSp>
+        <p:nvCxnSpPr>
+          <p:cNvPr id="9" name="직선 화살표 연결선 8"/>
+          <p:cNvCxnSpPr>
+            <a:stCxn id="2" idx="3"/>
+            <a:endCxn id="5" idx="1"/>
+          </p:cNvCxnSpPr>
+          <p:nvPr/>
+        </p:nvCxnSpPr>
+        <p:spPr>
+          <a:xfrm>
+            <a:off x="6336064" y="2447194"/>
+            <a:ext cx="431899" cy="0"/>
+          </a:xfrm>
+          <a:prstGeom prst="straightConnector1">
+            <a:avLst/>
+          </a:prstGeom>
+          <a:ln>
+            <a:tailEnd type="triangle"/>
+          </a:ln>
+        </p:spPr>
+        <p:style>
+          <a:lnRef idx="1">
+            <a:schemeClr val="accent1"/>
+          </a:lnRef>
+          <a:fillRef idx="0">
+            <a:schemeClr val="accent1"/>
+          </a:fillRef>
+          <a:effectRef idx="0">
+            <a:schemeClr val="accent1"/>
+          </a:effectRef>
+          <a:fontRef idx="minor">
+            <a:schemeClr val="tx1"/>
+          </a:fontRef>
+        </p:style>
+      </p:cxnSp>
+      <p:cxnSp>
+        <p:nvCxnSpPr>
+          <p:cNvPr id="10" name="직선 화살표 연결선 9"/>
+          <p:cNvCxnSpPr>
+            <a:stCxn id="5" idx="3"/>
+            <a:endCxn id="7" idx="1"/>
+          </p:cNvCxnSpPr>
+          <p:nvPr/>
+        </p:nvCxnSpPr>
+        <p:spPr>
+          <a:xfrm flipV="1">
+            <a:off x="7833090" y="2447193"/>
+            <a:ext cx="649036" cy="1"/>
+          </a:xfrm>
+          <a:prstGeom prst="straightConnector1">
+            <a:avLst/>
+          </a:prstGeom>
+          <a:ln>
+            <a:tailEnd type="triangle"/>
+          </a:ln>
+        </p:spPr>
+        <p:style>
+          <a:lnRef idx="1">
+            <a:schemeClr val="accent1"/>
+          </a:lnRef>
+          <a:fillRef idx="0">
+            <a:schemeClr val="accent1"/>
+          </a:fillRef>
+          <a:effectRef idx="0">
+            <a:schemeClr val="accent1"/>
+          </a:effectRef>
+          <a:fontRef idx="minor">
+            <a:schemeClr val="tx1"/>
+          </a:fontRef>
+        </p:style>
+      </p:cxnSp>
+      <p:sp>
+        <p:nvSpPr>
+          <p:cNvPr id="13" name="직사각형 12"/>
+          <p:cNvSpPr/>
+          <p:nvPr/>
+        </p:nvSpPr>
+        <p:spPr>
+          <a:xfrm>
+            <a:off x="6985100" y="1825104"/>
+            <a:ext cx="1234060" cy="368889"/>
+          </a:xfrm>
+          <a:prstGeom prst="rect">
+            <a:avLst/>
+          </a:prstGeom>
+          <a:solidFill>
+            <a:schemeClr val="accent2"/>
+          </a:solidFill>
+        </p:spPr>
+        <p:style>
+          <a:lnRef idx="2">
+            <a:schemeClr val="accent1">
+              <a:shade val="50000"/>
+            </a:schemeClr>
+          </a:lnRef>
+          <a:fillRef idx="1">
+            <a:schemeClr val="accent1"/>
+          </a:fillRef>
+          <a:effectRef idx="0">
+            <a:schemeClr val="accent1"/>
+          </a:effectRef>
+          <a:fontRef idx="minor">
+            <a:schemeClr val="lt1"/>
+          </a:fontRef>
+        </p:style>
+        <p:txBody>
+          <a:bodyPr rtlCol="0" anchor="ctr"/>
+          <a:lstStyle/>
+          <a:p>
+            <a:pPr algn="ctr"/>
+            <a:r>
+              <a:rPr lang="en-US" altLang="ko-KR" dirty="0" err="1" smtClean="0"/>
+              <a:t>bSelected</a:t>
+            </a:r>
+            <a:endParaRPr lang="ko-KR" altLang="en-US" dirty="0"/>
+          </a:p>
+        </p:txBody>
+      </p:sp>
+    </p:spTree>
+    <p:extLst>
+      <p:ext uri="{BB962C8B-B14F-4D97-AF65-F5344CB8AC3E}">
+        <p14:creationId xmlns:p14="http://schemas.microsoft.com/office/powerpoint/2010/main" val="3541080823"/>
+      </p:ext>
+    </p:extLst>
+  </p:cSld>
+  <p:clrMapOvr>
+    <a:masterClrMapping/>
+  </p:clrMapOvr>
+</p:sld>
+</file>
+
 <file path=ppt/theme/theme1.xml><?xml version="1.0" encoding="utf-8"?>
 <a:theme xmlns:a="http://schemas.openxmlformats.org/drawingml/2006/main" name="Office 테마">
   <a:themeElements>
